--- a/Mastermind in Java.pptx
+++ b/Mastermind in Java.pptx
@@ -110,6 +110,11 @@
       </a:defRPr>
     </a:lvl9pPr>
   </p:defaultTextStyle>
+  <p:extLst>
+    <p:ext uri="{EFAFB233-063F-42B5-8137-9DF3F51BA10A}">
+      <p15:sldGuideLst xmlns:p15="http://schemas.microsoft.com/office/powerpoint/2012/main"/>
+    </p:ext>
+  </p:extLst>
 </p:presentation>
 </file>
 
@@ -4614,10 +4619,10 @@
           <a:lstStyle/>
           <a:p>
             <a:r>
-              <a:rPr lang="de-DE" sz="5400"/>
+              <a:rPr lang="de-DE" sz="5400" dirty="0"/>
               <a:t>Aufgabenstellung</a:t>
             </a:r>
-            <a:endParaRPr lang="de-CH" sz="5400"/>
+            <a:endParaRPr lang="de-CH" sz="5400" dirty="0"/>
           </a:p>
         </p:txBody>
       </p:sp>
@@ -5288,15 +5293,144 @@
           <a:lstStyle/>
           <a:p>
             <a:r>
-              <a:rPr lang="de-DE" sz="2200"/>
+              <a:rPr lang="de-DE" sz="2200" dirty="0"/>
               <a:t>Spiel „Mastermind“ in Java umsetzen</a:t>
             </a:r>
           </a:p>
           <a:p>
-            <a:endParaRPr lang="de-DE" sz="2200"/>
-          </a:p>
-          <a:p>
-            <a:endParaRPr lang="de-CH" sz="2200"/>
+            <a:endParaRPr lang="de-DE" sz="2200" dirty="0"/>
+          </a:p>
+          <a:p>
+            <a:endParaRPr lang="de-CH" sz="2200" dirty="0"/>
+          </a:p>
+        </p:txBody>
+      </p:sp>
+      <p:pic>
+        <p:nvPicPr>
+          <p:cNvPr id="5" name="Grafik 4">
+            <a:extLst>
+              <a:ext uri="{FF2B5EF4-FFF2-40B4-BE49-F238E27FC236}">
+                <a16:creationId xmlns:a16="http://schemas.microsoft.com/office/drawing/2014/main" id="{DA4161BC-2371-D955-6173-39AC8E22CD7A}"/>
+              </a:ext>
+            </a:extLst>
+          </p:cNvPr>
+          <p:cNvPicPr>
+            <a:picLocks noChangeAspect="1"/>
+          </p:cNvPicPr>
+          <p:nvPr/>
+        </p:nvPicPr>
+        <p:blipFill>
+          <a:blip r:embed="rId2">
+            <a:extLst>
+              <a:ext uri="{28A0092B-C50C-407E-A947-70E740481C1C}">
+                <a14:useLocalDpi xmlns:a14="http://schemas.microsoft.com/office/drawing/2010/main" val="0"/>
+              </a:ext>
+            </a:extLst>
+          </a:blip>
+          <a:stretch>
+            <a:fillRect/>
+          </a:stretch>
+        </p:blipFill>
+        <p:spPr>
+          <a:xfrm>
+            <a:off x="1602206" y="2741798"/>
+            <a:ext cx="3098856" cy="3079488"/>
+          </a:xfrm>
+          <a:prstGeom prst="rect">
+            <a:avLst/>
+          </a:prstGeom>
+        </p:spPr>
+      </p:pic>
+      <p:pic>
+        <p:nvPicPr>
+          <p:cNvPr id="7" name="Grafik 6">
+            <a:extLst>
+              <a:ext uri="{FF2B5EF4-FFF2-40B4-BE49-F238E27FC236}">
+                <a16:creationId xmlns:a16="http://schemas.microsoft.com/office/drawing/2014/main" id="{B3B2C16A-7A13-5BF3-A83A-23A8327F58F2}"/>
+              </a:ext>
+            </a:extLst>
+          </p:cNvPr>
+          <p:cNvPicPr>
+            <a:picLocks noChangeAspect="1"/>
+          </p:cNvPicPr>
+          <p:nvPr/>
+        </p:nvPicPr>
+        <p:blipFill>
+          <a:blip r:embed="rId3">
+            <a:extLst>
+              <a:ext uri="{28A0092B-C50C-407E-A947-70E740481C1C}">
+                <a14:useLocalDpi xmlns:a14="http://schemas.microsoft.com/office/drawing/2010/main" val="0"/>
+              </a:ext>
+            </a:extLst>
+          </a:blip>
+          <a:stretch>
+            <a:fillRect/>
+          </a:stretch>
+        </p:blipFill>
+        <p:spPr>
+          <a:xfrm>
+            <a:off x="7365434" y="2548043"/>
+            <a:ext cx="3098857" cy="3098857"/>
+          </a:xfrm>
+          <a:prstGeom prst="rect">
+            <a:avLst/>
+          </a:prstGeom>
+        </p:spPr>
+      </p:pic>
+      <p:sp>
+        <p:nvSpPr>
+          <p:cNvPr id="11" name="Pfeil: nach rechts 10">
+            <a:extLst>
+              <a:ext uri="{FF2B5EF4-FFF2-40B4-BE49-F238E27FC236}">
+                <a16:creationId xmlns:a16="http://schemas.microsoft.com/office/drawing/2014/main" id="{73CEB5C4-3072-6F83-133E-554C6893B1FF}"/>
+              </a:ext>
+            </a:extLst>
+          </p:cNvPr>
+          <p:cNvSpPr/>
+          <p:nvPr/>
+        </p:nvSpPr>
+        <p:spPr>
+          <a:xfrm>
+            <a:off x="5369859" y="3729318"/>
+            <a:ext cx="1873623" cy="1030941"/>
+          </a:xfrm>
+          <a:prstGeom prst="rightArrow">
+            <a:avLst/>
+          </a:prstGeom>
+          <a:solidFill>
+            <a:schemeClr val="accent2">
+              <a:lumMod val="60000"/>
+              <a:lumOff val="40000"/>
+            </a:schemeClr>
+          </a:solidFill>
+          <a:ln w="28575">
+            <a:solidFill>
+              <a:schemeClr val="tx1"/>
+            </a:solidFill>
+          </a:ln>
+        </p:spPr>
+        <p:style>
+          <a:lnRef idx="2">
+            <a:schemeClr val="accent1">
+              <a:shade val="50000"/>
+            </a:schemeClr>
+          </a:lnRef>
+          <a:fillRef idx="1">
+            <a:schemeClr val="accent1"/>
+          </a:fillRef>
+          <a:effectRef idx="0">
+            <a:schemeClr val="accent1"/>
+          </a:effectRef>
+          <a:fontRef idx="minor">
+            <a:schemeClr val="lt1"/>
+          </a:fontRef>
+        </p:style>
+        <p:txBody>
+          <a:bodyPr rtlCol="0" anchor="ctr"/>
+          <a:lstStyle/>
+          <a:p>
+            <a:pPr algn="ctr"/>
+            <a:endParaRPr lang="de-CH"/>
           </a:p>
         </p:txBody>
       </p:sp>
